--- a/PPT/EP14-2020-09-02.pptx
+++ b/PPT/EP14-2020-09-02.pptx
@@ -5,7 +5,7 @@
     <p:sldMasterId id="2147483648" r:id="rId1"/>
   </p:sldMasterIdLst>
   <p:notesMasterIdLst>
-    <p:notesMasterId r:id="rId11"/>
+    <p:notesMasterId r:id="rId19"/>
   </p:notesMasterIdLst>
   <p:sldIdLst>
     <p:sldId id="256" r:id="rId2"/>
@@ -17,6 +17,14 @@
     <p:sldId id="318" r:id="rId8"/>
     <p:sldId id="319" r:id="rId9"/>
     <p:sldId id="320" r:id="rId10"/>
+    <p:sldId id="322" r:id="rId11"/>
+    <p:sldId id="323" r:id="rId12"/>
+    <p:sldId id="321" r:id="rId13"/>
+    <p:sldId id="324" r:id="rId14"/>
+    <p:sldId id="325" r:id="rId15"/>
+    <p:sldId id="326" r:id="rId16"/>
+    <p:sldId id="327" r:id="rId17"/>
+    <p:sldId id="329" r:id="rId18"/>
   </p:sldIdLst>
   <p:sldSz cx="12192000" cy="6858000"/>
   <p:notesSz cx="6858000" cy="9144000"/>
@@ -231,7 +239,7 @@
           <a:p>
             <a:fld id="{65A80631-54B1-48E6-A9AE-E2FEE8DCC965}" type="datetimeFigureOut">
               <a:rPr lang="en-AU" smtClean="0"/>
-              <a:t>3/09/2020</a:t>
+              <a:t>8/09/2020</a:t>
             </a:fld>
             <a:endParaRPr lang="en-AU"/>
           </a:p>
@@ -996,7 +1004,7 @@
           <a:p>
             <a:fld id="{8E637067-6E96-407E-932C-BC7D980752C7}" type="datetime1">
               <a:rPr lang="en-AU" smtClean="0"/>
-              <a:t>3/09/2020</a:t>
+              <a:t>8/09/2020</a:t>
             </a:fld>
             <a:endParaRPr lang="en-AU"/>
           </a:p>
@@ -1258,7 +1266,7 @@
           <a:p>
             <a:fld id="{E2450903-EBF7-48C2-8550-1833C12F0AA6}" type="datetime1">
               <a:rPr lang="en-AU" smtClean="0"/>
-              <a:t>3/09/2020</a:t>
+              <a:t>8/09/2020</a:t>
             </a:fld>
             <a:endParaRPr lang="en-AU"/>
           </a:p>
@@ -1468,7 +1476,7 @@
           <a:p>
             <a:fld id="{0719D9BD-B01A-4CEF-A6CB-21D7A6F8D6F2}" type="datetime1">
               <a:rPr lang="en-AU" smtClean="0"/>
-              <a:t>3/09/2020</a:t>
+              <a:t>8/09/2020</a:t>
             </a:fld>
             <a:endParaRPr lang="en-AU"/>
           </a:p>
@@ -1698,7 +1706,7 @@
           <a:p>
             <a:fld id="{C64969CA-26E5-45A2-B10F-C1180E7CBD2D}" type="datetime1">
               <a:rPr lang="en-AU" smtClean="0"/>
-              <a:t>3/09/2020</a:t>
+              <a:t>8/09/2020</a:t>
             </a:fld>
             <a:endParaRPr lang="en-AU"/>
           </a:p>
@@ -1993,7 +2001,7 @@
           <a:p>
             <a:fld id="{5F7A2204-BE50-4E48-9789-6C6AAA30A7A2}" type="datetime1">
               <a:rPr lang="en-AU" smtClean="0"/>
-              <a:t>3/09/2020</a:t>
+              <a:t>8/09/2020</a:t>
             </a:fld>
             <a:endParaRPr lang="en-AU"/>
           </a:p>
@@ -2291,7 +2299,7 @@
           <a:p>
             <a:fld id="{721A5C3F-BE4F-4851-AF67-8A75069083E7}" type="datetime1">
               <a:rPr lang="en-AU" smtClean="0"/>
-              <a:t>3/09/2020</a:t>
+              <a:t>8/09/2020</a:t>
             </a:fld>
             <a:endParaRPr lang="en-AU"/>
           </a:p>
@@ -2706,7 +2714,7 @@
           <a:p>
             <a:fld id="{55A3E711-E32B-4CCD-82F0-95CC8451035B}" type="datetime1">
               <a:rPr lang="en-AU" smtClean="0"/>
-              <a:t>3/09/2020</a:t>
+              <a:t>8/09/2020</a:t>
             </a:fld>
             <a:endParaRPr lang="en-AU"/>
           </a:p>
@@ -2848,7 +2856,7 @@
           <a:p>
             <a:fld id="{EF07BE97-ED60-462F-A348-14836DED808A}" type="datetime1">
               <a:rPr lang="en-AU" smtClean="0"/>
-              <a:t>3/09/2020</a:t>
+              <a:t>8/09/2020</a:t>
             </a:fld>
             <a:endParaRPr lang="en-AU"/>
           </a:p>
@@ -2966,7 +2974,7 @@
           <a:p>
             <a:fld id="{E97282B5-37CB-4082-B12E-83D5EDF75E4A}" type="datetime1">
               <a:rPr lang="en-AU" smtClean="0"/>
-              <a:t>3/09/2020</a:t>
+              <a:t>8/09/2020</a:t>
             </a:fld>
             <a:endParaRPr lang="en-AU"/>
           </a:p>
@@ -3298,7 +3306,7 @@
           <a:p>
             <a:fld id="{C7C2990E-F309-4F24-BA9A-9107C2FDEECF}" type="datetime1">
               <a:rPr lang="en-AU" smtClean="0"/>
-              <a:t>3/09/2020</a:t>
+              <a:t>8/09/2020</a:t>
             </a:fld>
             <a:endParaRPr lang="en-AU"/>
           </a:p>
@@ -3587,7 +3595,7 @@
           <a:p>
             <a:fld id="{80C6DB83-2A7E-4062-A2D1-F8DFAD5107D5}" type="datetime1">
               <a:rPr lang="en-AU" smtClean="0"/>
-              <a:t>3/09/2020</a:t>
+              <a:t>8/09/2020</a:t>
             </a:fld>
             <a:endParaRPr lang="en-AU"/>
           </a:p>
@@ -3832,7 +3840,7 @@
           <a:p>
             <a:fld id="{0579ABAF-0E04-4612-BCFD-9F946A6B758B}" type="datetime1">
               <a:rPr lang="en-AU" smtClean="0"/>
-              <a:t>3/09/2020</a:t>
+              <a:t>8/09/2020</a:t>
             </a:fld>
             <a:endParaRPr lang="en-AU"/>
           </a:p>
@@ -4306,7 +4314,7 @@
         <p:spPr/>
         <p:txBody>
           <a:bodyPr>
-            <a:normAutofit/>
+            <a:normAutofit fontScale="92500" lnSpcReduction="10000"/>
           </a:bodyPr>
           <a:lstStyle/>
           <a:p>
@@ -4321,6 +4329,21 @@
                 <a:hlinkClick r:id="rId3"/>
               </a:rPr>
               <a:t>https://youtu.be/yAwmnjywLbE</a:t>
+            </a:r>
+            <a:endParaRPr lang="th-TH" dirty="0"/>
+          </a:p>
+          <a:p>
+            <a:r>
+              <a:rPr lang="en-AU" dirty="0">
+                <a:hlinkClick r:id="rId4">
+                  <a:extLst>
+                    <a:ext uri="{A12FA001-AC4F-418D-AE19-62706E023703}">
+                      <ahyp:hlinkClr xmlns:ahyp="http://schemas.microsoft.com/office/drawing/2018/hyperlinkcolor" val="tx"/>
+                    </a:ext>
+                  </a:extLst>
+                </a:hlinkClick>
+              </a:rPr>
+              <a:t>https://youtu.be/a9gvPD7rQ5Q</a:t>
             </a:r>
             <a:endParaRPr lang="th-TH" dirty="0"/>
           </a:p>
@@ -4360,6 +4383,1171 @@
     <p:extLst>
       <p:ext uri="{BB962C8B-B14F-4D97-AF65-F5344CB8AC3E}">
         <p14:creationId xmlns:p14="http://schemas.microsoft.com/office/powerpoint/2010/main" val="1575446983"/>
+      </p:ext>
+    </p:extLst>
+  </p:cSld>
+  <p:clrMapOvr>
+    <a:masterClrMapping/>
+  </p:clrMapOvr>
+</p:sld>
+</file>
+
+<file path=ppt/slides/slide10.xml><?xml version="1.0" encoding="utf-8"?>
+<p:sld xmlns:a="http://schemas.openxmlformats.org/drawingml/2006/main" xmlns:r="http://schemas.openxmlformats.org/officeDocument/2006/relationships" xmlns:p="http://schemas.openxmlformats.org/presentationml/2006/main">
+  <p:cSld>
+    <p:spTree>
+      <p:nvGrpSpPr>
+        <p:cNvPr id="1" name=""/>
+        <p:cNvGrpSpPr/>
+        <p:nvPr/>
+      </p:nvGrpSpPr>
+      <p:grpSpPr>
+        <a:xfrm>
+          <a:off x="0" y="0"/>
+          <a:ext cx="0" cy="0"/>
+          <a:chOff x="0" y="0"/>
+          <a:chExt cx="0" cy="0"/>
+        </a:xfrm>
+      </p:grpSpPr>
+      <p:sp>
+        <p:nvSpPr>
+          <p:cNvPr id="5" name="Title 4">
+            <a:extLst>
+              <a:ext uri="{FF2B5EF4-FFF2-40B4-BE49-F238E27FC236}">
+                <a16:creationId xmlns:a16="http://schemas.microsoft.com/office/drawing/2014/main" id="{6218F68B-2993-471F-AD06-3CB4359D247F}"/>
+              </a:ext>
+            </a:extLst>
+          </p:cNvPr>
+          <p:cNvSpPr>
+            <a:spLocks noGrp="1"/>
+          </p:cNvSpPr>
+          <p:nvPr>
+            <p:ph type="ctrTitle"/>
+          </p:nvPr>
+        </p:nvSpPr>
+        <p:spPr/>
+        <p:txBody>
+          <a:bodyPr/>
+          <a:lstStyle/>
+          <a:p>
+            <a:r>
+              <a:rPr lang="en-AU" dirty="0"/>
+              <a:t>Order list</a:t>
+            </a:r>
+          </a:p>
+        </p:txBody>
+      </p:sp>
+      <p:sp>
+        <p:nvSpPr>
+          <p:cNvPr id="6" name="Subtitle 5">
+            <a:extLst>
+              <a:ext uri="{FF2B5EF4-FFF2-40B4-BE49-F238E27FC236}">
+                <a16:creationId xmlns:a16="http://schemas.microsoft.com/office/drawing/2014/main" id="{D8D36BC9-B42F-463F-8CFC-51435943D062}"/>
+              </a:ext>
+            </a:extLst>
+          </p:cNvPr>
+          <p:cNvSpPr>
+            <a:spLocks noGrp="1"/>
+          </p:cNvSpPr>
+          <p:nvPr>
+            <p:ph type="subTitle" idx="1"/>
+          </p:nvPr>
+        </p:nvSpPr>
+        <p:spPr/>
+        <p:txBody>
+          <a:bodyPr/>
+          <a:lstStyle/>
+          <a:p>
+            <a:endParaRPr lang="en-AU"/>
+          </a:p>
+        </p:txBody>
+      </p:sp>
+      <p:sp>
+        <p:nvSpPr>
+          <p:cNvPr id="4" name="Slide Number Placeholder 3">
+            <a:extLst>
+              <a:ext uri="{FF2B5EF4-FFF2-40B4-BE49-F238E27FC236}">
+                <a16:creationId xmlns:a16="http://schemas.microsoft.com/office/drawing/2014/main" id="{40164500-A91A-431E-AB96-B6BE2BA7EB20}"/>
+              </a:ext>
+            </a:extLst>
+          </p:cNvPr>
+          <p:cNvSpPr>
+            <a:spLocks noGrp="1"/>
+          </p:cNvSpPr>
+          <p:nvPr>
+            <p:ph type="sldNum" sz="quarter" idx="12"/>
+          </p:nvPr>
+        </p:nvSpPr>
+        <p:spPr/>
+        <p:txBody>
+          <a:bodyPr/>
+          <a:lstStyle/>
+          <a:p>
+            <a:fld id="{A451FF00-1CED-49B4-AB20-56DD39CB66AF}" type="slidenum">
+              <a:rPr lang="en-AU" smtClean="0"/>
+              <a:pPr/>
+              <a:t>10</a:t>
+            </a:fld>
+            <a:endParaRPr lang="en-AU"/>
+          </a:p>
+        </p:txBody>
+      </p:sp>
+    </p:spTree>
+    <p:extLst>
+      <p:ext uri="{BB962C8B-B14F-4D97-AF65-F5344CB8AC3E}">
+        <p14:creationId xmlns:p14="http://schemas.microsoft.com/office/powerpoint/2010/main" val="244209360"/>
+      </p:ext>
+    </p:extLst>
+  </p:cSld>
+  <p:clrMapOvr>
+    <a:masterClrMapping/>
+  </p:clrMapOvr>
+</p:sld>
+</file>
+
+<file path=ppt/slides/slide11.xml><?xml version="1.0" encoding="utf-8"?>
+<p:sld xmlns:a="http://schemas.openxmlformats.org/drawingml/2006/main" xmlns:r="http://schemas.openxmlformats.org/officeDocument/2006/relationships" xmlns:p="http://schemas.openxmlformats.org/presentationml/2006/main">
+  <p:cSld>
+    <p:spTree>
+      <p:nvGrpSpPr>
+        <p:cNvPr id="1" name=""/>
+        <p:cNvGrpSpPr/>
+        <p:nvPr/>
+      </p:nvGrpSpPr>
+      <p:grpSpPr>
+        <a:xfrm>
+          <a:off x="0" y="0"/>
+          <a:ext cx="0" cy="0"/>
+          <a:chOff x="0" y="0"/>
+          <a:chExt cx="0" cy="0"/>
+        </a:xfrm>
+      </p:grpSpPr>
+      <p:sp>
+        <p:nvSpPr>
+          <p:cNvPr id="4" name="Slide Number Placeholder 3">
+            <a:extLst>
+              <a:ext uri="{FF2B5EF4-FFF2-40B4-BE49-F238E27FC236}">
+                <a16:creationId xmlns:a16="http://schemas.microsoft.com/office/drawing/2014/main" id="{F17D512F-5A7F-44D3-84D2-B387F8F7F13A}"/>
+              </a:ext>
+            </a:extLst>
+          </p:cNvPr>
+          <p:cNvSpPr>
+            <a:spLocks noGrp="1"/>
+          </p:cNvSpPr>
+          <p:nvPr>
+            <p:ph type="sldNum" sz="quarter" idx="12"/>
+          </p:nvPr>
+        </p:nvSpPr>
+        <p:spPr/>
+        <p:txBody>
+          <a:bodyPr/>
+          <a:lstStyle/>
+          <a:p>
+            <a:fld id="{A451FF00-1CED-49B4-AB20-56DD39CB66AF}" type="slidenum">
+              <a:rPr lang="en-AU" smtClean="0"/>
+              <a:pPr/>
+              <a:t>11</a:t>
+            </a:fld>
+            <a:endParaRPr lang="en-AU"/>
+          </a:p>
+        </p:txBody>
+      </p:sp>
+      <p:pic>
+        <p:nvPicPr>
+          <p:cNvPr id="6" name="Picture 5">
+            <a:extLst>
+              <a:ext uri="{FF2B5EF4-FFF2-40B4-BE49-F238E27FC236}">
+                <a16:creationId xmlns:a16="http://schemas.microsoft.com/office/drawing/2014/main" id="{A09E1DB5-F55E-482D-BCC3-5FA542197119}"/>
+              </a:ext>
+            </a:extLst>
+          </p:cNvPr>
+          <p:cNvPicPr>
+            <a:picLocks noChangeAspect="1"/>
+          </p:cNvPicPr>
+          <p:nvPr/>
+        </p:nvPicPr>
+        <p:blipFill>
+          <a:blip r:embed="rId2"/>
+          <a:stretch>
+            <a:fillRect/>
+          </a:stretch>
+        </p:blipFill>
+        <p:spPr>
+          <a:xfrm>
+            <a:off x="333375" y="904875"/>
+            <a:ext cx="11525250" cy="5048250"/>
+          </a:xfrm>
+          <a:prstGeom prst="rect">
+            <a:avLst/>
+          </a:prstGeom>
+        </p:spPr>
+      </p:pic>
+    </p:spTree>
+    <p:extLst>
+      <p:ext uri="{BB962C8B-B14F-4D97-AF65-F5344CB8AC3E}">
+        <p14:creationId xmlns:p14="http://schemas.microsoft.com/office/powerpoint/2010/main" val="2705096467"/>
+      </p:ext>
+    </p:extLst>
+  </p:cSld>
+  <p:clrMapOvr>
+    <a:masterClrMapping/>
+  </p:clrMapOvr>
+</p:sld>
+</file>
+
+<file path=ppt/slides/slide12.xml><?xml version="1.0" encoding="utf-8"?>
+<p:sld xmlns:a="http://schemas.openxmlformats.org/drawingml/2006/main" xmlns:r="http://schemas.openxmlformats.org/officeDocument/2006/relationships" xmlns:p="http://schemas.openxmlformats.org/presentationml/2006/main">
+  <p:cSld>
+    <p:spTree>
+      <p:nvGrpSpPr>
+        <p:cNvPr id="1" name=""/>
+        <p:cNvGrpSpPr/>
+        <p:nvPr/>
+      </p:nvGrpSpPr>
+      <p:grpSpPr>
+        <a:xfrm>
+          <a:off x="0" y="0"/>
+          <a:ext cx="0" cy="0"/>
+          <a:chOff x="0" y="0"/>
+          <a:chExt cx="0" cy="0"/>
+        </a:xfrm>
+      </p:grpSpPr>
+      <p:sp>
+        <p:nvSpPr>
+          <p:cNvPr id="3" name="Title 2">
+            <a:extLst>
+              <a:ext uri="{FF2B5EF4-FFF2-40B4-BE49-F238E27FC236}">
+                <a16:creationId xmlns:a16="http://schemas.microsoft.com/office/drawing/2014/main" id="{5E2F2277-A6C1-4B5B-BD45-FE4AEA92D475}"/>
+              </a:ext>
+            </a:extLst>
+          </p:cNvPr>
+          <p:cNvSpPr>
+            <a:spLocks noGrp="1"/>
+          </p:cNvSpPr>
+          <p:nvPr>
+            <p:ph type="title"/>
+          </p:nvPr>
+        </p:nvSpPr>
+        <p:spPr/>
+        <p:txBody>
+          <a:bodyPr/>
+          <a:lstStyle/>
+          <a:p>
+            <a:r>
+              <a:rPr lang="th-TH" dirty="0"/>
+              <a:t>สร้างโมเดลสำหรับ</a:t>
+            </a:r>
+            <a:r>
+              <a:rPr lang="en-AU" dirty="0"/>
+              <a:t> Order list</a:t>
+            </a:r>
+            <a:r>
+              <a:rPr lang="th-TH" dirty="0"/>
+              <a:t> แก้ไขไฟล์ </a:t>
+            </a:r>
+            <a:r>
+              <a:rPr lang="en-AU" dirty="0"/>
+              <a:t>models.py</a:t>
+            </a:r>
+          </a:p>
+        </p:txBody>
+      </p:sp>
+      <p:sp>
+        <p:nvSpPr>
+          <p:cNvPr id="4" name="Content Placeholder 3">
+            <a:extLst>
+              <a:ext uri="{FF2B5EF4-FFF2-40B4-BE49-F238E27FC236}">
+                <a16:creationId xmlns:a16="http://schemas.microsoft.com/office/drawing/2014/main" id="{1BCC24B9-44C2-4112-97C6-8A07FBAD89DD}"/>
+              </a:ext>
+            </a:extLst>
+          </p:cNvPr>
+          <p:cNvSpPr>
+            <a:spLocks noGrp="1"/>
+          </p:cNvSpPr>
+          <p:nvPr>
+            <p:ph idx="1"/>
+          </p:nvPr>
+        </p:nvSpPr>
+        <p:spPr/>
+        <p:txBody>
+          <a:bodyPr/>
+          <a:lstStyle/>
+          <a:p>
+            <a:r>
+              <a:rPr lang="th-TH" dirty="0"/>
+              <a:t>สร้างคลาส </a:t>
+            </a:r>
+            <a:r>
+              <a:rPr lang="en-AU" dirty="0" err="1"/>
+              <a:t>OrderList</a:t>
+            </a:r>
+            <a:endParaRPr lang="en-AU" dirty="0"/>
+          </a:p>
+        </p:txBody>
+      </p:sp>
+      <p:sp>
+        <p:nvSpPr>
+          <p:cNvPr id="2" name="Slide Number Placeholder 1">
+            <a:extLst>
+              <a:ext uri="{FF2B5EF4-FFF2-40B4-BE49-F238E27FC236}">
+                <a16:creationId xmlns:a16="http://schemas.microsoft.com/office/drawing/2014/main" id="{9AF4F4DE-DF6A-4978-BE35-5FBBFD8BED4D}"/>
+              </a:ext>
+            </a:extLst>
+          </p:cNvPr>
+          <p:cNvSpPr>
+            <a:spLocks noGrp="1"/>
+          </p:cNvSpPr>
+          <p:nvPr>
+            <p:ph type="sldNum" sz="quarter" idx="12"/>
+          </p:nvPr>
+        </p:nvSpPr>
+        <p:spPr/>
+        <p:txBody>
+          <a:bodyPr/>
+          <a:lstStyle/>
+          <a:p>
+            <a:fld id="{A451FF00-1CED-49B4-AB20-56DD39CB66AF}" type="slidenum">
+              <a:rPr lang="en-AU" smtClean="0"/>
+              <a:pPr/>
+              <a:t>12</a:t>
+            </a:fld>
+            <a:endParaRPr lang="en-AU"/>
+          </a:p>
+        </p:txBody>
+      </p:sp>
+      <p:pic>
+        <p:nvPicPr>
+          <p:cNvPr id="6" name="Picture 5">
+            <a:extLst>
+              <a:ext uri="{FF2B5EF4-FFF2-40B4-BE49-F238E27FC236}">
+                <a16:creationId xmlns:a16="http://schemas.microsoft.com/office/drawing/2014/main" id="{B24F5B8E-9EFF-48FD-802D-0632D4CE2D78}"/>
+              </a:ext>
+            </a:extLst>
+          </p:cNvPr>
+          <p:cNvPicPr>
+            <a:picLocks noChangeAspect="1"/>
+          </p:cNvPicPr>
+          <p:nvPr/>
+        </p:nvPicPr>
+        <p:blipFill>
+          <a:blip r:embed="rId2"/>
+          <a:stretch>
+            <a:fillRect/>
+          </a:stretch>
+        </p:blipFill>
+        <p:spPr>
+          <a:xfrm>
+            <a:off x="7259266" y="1168189"/>
+            <a:ext cx="4191000" cy="2505075"/>
+          </a:xfrm>
+          <a:prstGeom prst="rect">
+            <a:avLst/>
+          </a:prstGeom>
+        </p:spPr>
+      </p:pic>
+      <p:pic>
+        <p:nvPicPr>
+          <p:cNvPr id="8" name="Picture 7">
+            <a:extLst>
+              <a:ext uri="{FF2B5EF4-FFF2-40B4-BE49-F238E27FC236}">
+                <a16:creationId xmlns:a16="http://schemas.microsoft.com/office/drawing/2014/main" id="{6BA55767-1922-4442-AC54-0D741F148687}"/>
+              </a:ext>
+            </a:extLst>
+          </p:cNvPr>
+          <p:cNvPicPr>
+            <a:picLocks noChangeAspect="1"/>
+          </p:cNvPicPr>
+          <p:nvPr/>
+        </p:nvPicPr>
+        <p:blipFill>
+          <a:blip r:embed="rId3"/>
+          <a:stretch>
+            <a:fillRect/>
+          </a:stretch>
+        </p:blipFill>
+        <p:spPr>
+          <a:xfrm>
+            <a:off x="1905811" y="2836929"/>
+            <a:ext cx="4800600" cy="1495425"/>
+          </a:xfrm>
+          <a:prstGeom prst="rect">
+            <a:avLst/>
+          </a:prstGeom>
+        </p:spPr>
+      </p:pic>
+    </p:spTree>
+    <p:extLst>
+      <p:ext uri="{BB962C8B-B14F-4D97-AF65-F5344CB8AC3E}">
+        <p14:creationId xmlns:p14="http://schemas.microsoft.com/office/powerpoint/2010/main" val="1706431187"/>
+      </p:ext>
+    </p:extLst>
+  </p:cSld>
+  <p:clrMapOvr>
+    <a:masterClrMapping/>
+  </p:clrMapOvr>
+</p:sld>
+</file>
+
+<file path=ppt/slides/slide13.xml><?xml version="1.0" encoding="utf-8"?>
+<p:sld xmlns:a="http://schemas.openxmlformats.org/drawingml/2006/main" xmlns:r="http://schemas.openxmlformats.org/officeDocument/2006/relationships" xmlns:p="http://schemas.openxmlformats.org/presentationml/2006/main">
+  <p:cSld>
+    <p:spTree>
+      <p:nvGrpSpPr>
+        <p:cNvPr id="1" name=""/>
+        <p:cNvGrpSpPr/>
+        <p:nvPr/>
+      </p:nvGrpSpPr>
+      <p:grpSpPr>
+        <a:xfrm>
+          <a:off x="0" y="0"/>
+          <a:ext cx="0" cy="0"/>
+          <a:chOff x="0" y="0"/>
+          <a:chExt cx="0" cy="0"/>
+        </a:xfrm>
+      </p:grpSpPr>
+      <p:sp>
+        <p:nvSpPr>
+          <p:cNvPr id="2" name="Title 1">
+            <a:extLst>
+              <a:ext uri="{FF2B5EF4-FFF2-40B4-BE49-F238E27FC236}">
+                <a16:creationId xmlns:a16="http://schemas.microsoft.com/office/drawing/2014/main" id="{22BF7661-F11F-4730-9F07-B80F843D99FD}"/>
+              </a:ext>
+            </a:extLst>
+          </p:cNvPr>
+          <p:cNvSpPr>
+            <a:spLocks noGrp="1"/>
+          </p:cNvSpPr>
+          <p:nvPr>
+            <p:ph type="title"/>
+          </p:nvPr>
+        </p:nvSpPr>
+        <p:spPr/>
+        <p:txBody>
+          <a:bodyPr/>
+          <a:lstStyle/>
+          <a:p>
+            <a:r>
+              <a:rPr lang="th-TH" dirty="0"/>
+              <a:t>สร้างโมเดลสำหรับ</a:t>
+            </a:r>
+            <a:r>
+              <a:rPr lang="en-AU" dirty="0"/>
+              <a:t> Order Pending </a:t>
+            </a:r>
+            <a:r>
+              <a:rPr lang="th-TH" dirty="0"/>
+              <a:t>แก้ไขไฟล์ </a:t>
+            </a:r>
+            <a:r>
+              <a:rPr lang="en-AU" dirty="0"/>
+              <a:t>models.py</a:t>
+            </a:r>
+          </a:p>
+        </p:txBody>
+      </p:sp>
+      <p:sp>
+        <p:nvSpPr>
+          <p:cNvPr id="3" name="Content Placeholder 2">
+            <a:extLst>
+              <a:ext uri="{FF2B5EF4-FFF2-40B4-BE49-F238E27FC236}">
+                <a16:creationId xmlns:a16="http://schemas.microsoft.com/office/drawing/2014/main" id="{3C038B28-B33D-47AE-8F8C-A20C65610DF4}"/>
+              </a:ext>
+            </a:extLst>
+          </p:cNvPr>
+          <p:cNvSpPr>
+            <a:spLocks noGrp="1"/>
+          </p:cNvSpPr>
+          <p:nvPr>
+            <p:ph idx="1"/>
+          </p:nvPr>
+        </p:nvSpPr>
+        <p:spPr/>
+        <p:txBody>
+          <a:bodyPr/>
+          <a:lstStyle/>
+          <a:p>
+            <a:r>
+              <a:rPr lang="th-TH" dirty="0"/>
+              <a:t>สร้างคลาส</a:t>
+            </a:r>
+            <a:r>
+              <a:rPr lang="en-AU" dirty="0"/>
+              <a:t> </a:t>
+            </a:r>
+            <a:r>
+              <a:rPr lang="en-AU" dirty="0" err="1"/>
+              <a:t>OrderPending</a:t>
+            </a:r>
+            <a:endParaRPr lang="en-AU" dirty="0"/>
+          </a:p>
+        </p:txBody>
+      </p:sp>
+      <p:sp>
+        <p:nvSpPr>
+          <p:cNvPr id="4" name="Slide Number Placeholder 3">
+            <a:extLst>
+              <a:ext uri="{FF2B5EF4-FFF2-40B4-BE49-F238E27FC236}">
+                <a16:creationId xmlns:a16="http://schemas.microsoft.com/office/drawing/2014/main" id="{E443BA87-5601-474B-8ADF-E541F34341CF}"/>
+              </a:ext>
+            </a:extLst>
+          </p:cNvPr>
+          <p:cNvSpPr>
+            <a:spLocks noGrp="1"/>
+          </p:cNvSpPr>
+          <p:nvPr>
+            <p:ph type="sldNum" sz="quarter" idx="12"/>
+          </p:nvPr>
+        </p:nvSpPr>
+        <p:spPr/>
+        <p:txBody>
+          <a:bodyPr/>
+          <a:lstStyle/>
+          <a:p>
+            <a:fld id="{A451FF00-1CED-49B4-AB20-56DD39CB66AF}" type="slidenum">
+              <a:rPr lang="en-AU" smtClean="0"/>
+              <a:pPr/>
+              <a:t>13</a:t>
+            </a:fld>
+            <a:endParaRPr lang="en-AU"/>
+          </a:p>
+        </p:txBody>
+      </p:sp>
+      <p:pic>
+        <p:nvPicPr>
+          <p:cNvPr id="8" name="Picture 7">
+            <a:extLst>
+              <a:ext uri="{FF2B5EF4-FFF2-40B4-BE49-F238E27FC236}">
+                <a16:creationId xmlns:a16="http://schemas.microsoft.com/office/drawing/2014/main" id="{19A5D066-7E35-4EB8-8F7E-995997C51EF9}"/>
+              </a:ext>
+            </a:extLst>
+          </p:cNvPr>
+          <p:cNvPicPr>
+            <a:picLocks noChangeAspect="1"/>
+          </p:cNvPicPr>
+          <p:nvPr/>
+        </p:nvPicPr>
+        <p:blipFill>
+          <a:blip r:embed="rId2"/>
+          <a:stretch>
+            <a:fillRect/>
+          </a:stretch>
+        </p:blipFill>
+        <p:spPr>
+          <a:xfrm>
+            <a:off x="2543175" y="2043112"/>
+            <a:ext cx="7105650" cy="2771775"/>
+          </a:xfrm>
+          <a:prstGeom prst="rect">
+            <a:avLst/>
+          </a:prstGeom>
+        </p:spPr>
+      </p:pic>
+    </p:spTree>
+    <p:extLst>
+      <p:ext uri="{BB962C8B-B14F-4D97-AF65-F5344CB8AC3E}">
+        <p14:creationId xmlns:p14="http://schemas.microsoft.com/office/powerpoint/2010/main" val="1425663121"/>
+      </p:ext>
+    </p:extLst>
+  </p:cSld>
+  <p:clrMapOvr>
+    <a:masterClrMapping/>
+  </p:clrMapOvr>
+</p:sld>
+</file>
+
+<file path=ppt/slides/slide14.xml><?xml version="1.0" encoding="utf-8"?>
+<p:sld xmlns:a="http://schemas.openxmlformats.org/drawingml/2006/main" xmlns:r="http://schemas.openxmlformats.org/officeDocument/2006/relationships" xmlns:p="http://schemas.openxmlformats.org/presentationml/2006/main">
+  <p:cSld>
+    <p:spTree>
+      <p:nvGrpSpPr>
+        <p:cNvPr id="1" name=""/>
+        <p:cNvGrpSpPr/>
+        <p:nvPr/>
+      </p:nvGrpSpPr>
+      <p:grpSpPr>
+        <a:xfrm>
+          <a:off x="0" y="0"/>
+          <a:ext cx="0" cy="0"/>
+          <a:chOff x="0" y="0"/>
+          <a:chExt cx="0" cy="0"/>
+        </a:xfrm>
+      </p:grpSpPr>
+      <p:sp>
+        <p:nvSpPr>
+          <p:cNvPr id="2" name="Title 1">
+            <a:extLst>
+              <a:ext uri="{FF2B5EF4-FFF2-40B4-BE49-F238E27FC236}">
+                <a16:creationId xmlns:a16="http://schemas.microsoft.com/office/drawing/2014/main" id="{E77F5623-606F-4063-B01C-4AF6F243E43D}"/>
+              </a:ext>
+            </a:extLst>
+          </p:cNvPr>
+          <p:cNvSpPr>
+            <a:spLocks noGrp="1"/>
+          </p:cNvSpPr>
+          <p:nvPr>
+            <p:ph type="title"/>
+          </p:nvPr>
+        </p:nvSpPr>
+        <p:spPr/>
+        <p:txBody>
+          <a:bodyPr/>
+          <a:lstStyle/>
+          <a:p>
+            <a:r>
+              <a:rPr lang="en-AU" dirty="0"/>
+              <a:t>Make migration</a:t>
+            </a:r>
+          </a:p>
+        </p:txBody>
+      </p:sp>
+      <p:sp>
+        <p:nvSpPr>
+          <p:cNvPr id="3" name="Content Placeholder 2">
+            <a:extLst>
+              <a:ext uri="{FF2B5EF4-FFF2-40B4-BE49-F238E27FC236}">
+                <a16:creationId xmlns:a16="http://schemas.microsoft.com/office/drawing/2014/main" id="{3F43D019-0631-42A4-A1CC-A18F179E88EF}"/>
+              </a:ext>
+            </a:extLst>
+          </p:cNvPr>
+          <p:cNvSpPr>
+            <a:spLocks noGrp="1"/>
+          </p:cNvSpPr>
+          <p:nvPr>
+            <p:ph idx="1"/>
+          </p:nvPr>
+        </p:nvSpPr>
+        <p:spPr/>
+        <p:txBody>
+          <a:bodyPr/>
+          <a:lstStyle/>
+          <a:p>
+            <a:r>
+              <a:rPr lang="en-AU" dirty="0"/>
+              <a:t>python manage.py </a:t>
+            </a:r>
+            <a:r>
+              <a:rPr lang="en-AU" dirty="0" err="1"/>
+              <a:t>makemigrations</a:t>
+            </a:r>
+            <a:endParaRPr lang="en-AU" dirty="0"/>
+          </a:p>
+          <a:p>
+            <a:r>
+              <a:rPr lang="en-AU" dirty="0"/>
+              <a:t>python manage.py migrate</a:t>
+            </a:r>
+          </a:p>
+        </p:txBody>
+      </p:sp>
+      <p:sp>
+        <p:nvSpPr>
+          <p:cNvPr id="4" name="Slide Number Placeholder 3">
+            <a:extLst>
+              <a:ext uri="{FF2B5EF4-FFF2-40B4-BE49-F238E27FC236}">
+                <a16:creationId xmlns:a16="http://schemas.microsoft.com/office/drawing/2014/main" id="{BBD6B2A3-DD77-482E-BFD8-2D0B0027C85A}"/>
+              </a:ext>
+            </a:extLst>
+          </p:cNvPr>
+          <p:cNvSpPr>
+            <a:spLocks noGrp="1"/>
+          </p:cNvSpPr>
+          <p:nvPr>
+            <p:ph type="sldNum" sz="quarter" idx="12"/>
+          </p:nvPr>
+        </p:nvSpPr>
+        <p:spPr/>
+        <p:txBody>
+          <a:bodyPr/>
+          <a:lstStyle/>
+          <a:p>
+            <a:fld id="{A451FF00-1CED-49B4-AB20-56DD39CB66AF}" type="slidenum">
+              <a:rPr lang="en-AU" smtClean="0"/>
+              <a:pPr/>
+              <a:t>14</a:t>
+            </a:fld>
+            <a:endParaRPr lang="en-AU"/>
+          </a:p>
+        </p:txBody>
+      </p:sp>
+      <p:pic>
+        <p:nvPicPr>
+          <p:cNvPr id="6" name="Picture 5">
+            <a:extLst>
+              <a:ext uri="{FF2B5EF4-FFF2-40B4-BE49-F238E27FC236}">
+                <a16:creationId xmlns:a16="http://schemas.microsoft.com/office/drawing/2014/main" id="{CDA99584-B9CF-4B8C-9ABF-ADAA590EF711}"/>
+              </a:ext>
+            </a:extLst>
+          </p:cNvPr>
+          <p:cNvPicPr>
+            <a:picLocks noChangeAspect="1"/>
+          </p:cNvPicPr>
+          <p:nvPr/>
+        </p:nvPicPr>
+        <p:blipFill>
+          <a:blip r:embed="rId2"/>
+          <a:stretch>
+            <a:fillRect/>
+          </a:stretch>
+        </p:blipFill>
+        <p:spPr>
+          <a:xfrm>
+            <a:off x="3371850" y="2686050"/>
+            <a:ext cx="5448300" cy="2476500"/>
+          </a:xfrm>
+          <a:prstGeom prst="rect">
+            <a:avLst/>
+          </a:prstGeom>
+        </p:spPr>
+      </p:pic>
+    </p:spTree>
+    <p:extLst>
+      <p:ext uri="{BB962C8B-B14F-4D97-AF65-F5344CB8AC3E}">
+        <p14:creationId xmlns:p14="http://schemas.microsoft.com/office/powerpoint/2010/main" val="2198471037"/>
+      </p:ext>
+    </p:extLst>
+  </p:cSld>
+  <p:clrMapOvr>
+    <a:masterClrMapping/>
+  </p:clrMapOvr>
+</p:sld>
+</file>
+
+<file path=ppt/slides/slide15.xml><?xml version="1.0" encoding="utf-8"?>
+<p:sld xmlns:a="http://schemas.openxmlformats.org/drawingml/2006/main" xmlns:r="http://schemas.openxmlformats.org/officeDocument/2006/relationships" xmlns:p="http://schemas.openxmlformats.org/presentationml/2006/main">
+  <p:cSld>
+    <p:spTree>
+      <p:nvGrpSpPr>
+        <p:cNvPr id="1" name=""/>
+        <p:cNvGrpSpPr/>
+        <p:nvPr/>
+      </p:nvGrpSpPr>
+      <p:grpSpPr>
+        <a:xfrm>
+          <a:off x="0" y="0"/>
+          <a:ext cx="0" cy="0"/>
+          <a:chOff x="0" y="0"/>
+          <a:chExt cx="0" cy="0"/>
+        </a:xfrm>
+      </p:grpSpPr>
+      <p:sp>
+        <p:nvSpPr>
+          <p:cNvPr id="2" name="Title 1">
+            <a:extLst>
+              <a:ext uri="{FF2B5EF4-FFF2-40B4-BE49-F238E27FC236}">
+                <a16:creationId xmlns:a16="http://schemas.microsoft.com/office/drawing/2014/main" id="{0F8426F7-3624-4B73-A61C-9B0DD083701F}"/>
+              </a:ext>
+            </a:extLst>
+          </p:cNvPr>
+          <p:cNvSpPr>
+            <a:spLocks noGrp="1"/>
+          </p:cNvSpPr>
+          <p:nvPr>
+            <p:ph type="title"/>
+          </p:nvPr>
+        </p:nvSpPr>
+        <p:spPr/>
+        <p:txBody>
+          <a:bodyPr/>
+          <a:lstStyle/>
+          <a:p>
+            <a:r>
+              <a:rPr lang="th-TH" dirty="0"/>
+              <a:t>แก้ไขไฟล์</a:t>
+            </a:r>
+            <a:r>
+              <a:rPr lang="en-AU" dirty="0"/>
+              <a:t> views.py</a:t>
+            </a:r>
+          </a:p>
+        </p:txBody>
+      </p:sp>
+      <p:sp>
+        <p:nvSpPr>
+          <p:cNvPr id="3" name="Content Placeholder 2">
+            <a:extLst>
+              <a:ext uri="{FF2B5EF4-FFF2-40B4-BE49-F238E27FC236}">
+                <a16:creationId xmlns:a16="http://schemas.microsoft.com/office/drawing/2014/main" id="{143E37A1-D736-40B7-9803-196DF418DE46}"/>
+              </a:ext>
+            </a:extLst>
+          </p:cNvPr>
+          <p:cNvSpPr>
+            <a:spLocks noGrp="1"/>
+          </p:cNvSpPr>
+          <p:nvPr>
+            <p:ph idx="1"/>
+          </p:nvPr>
+        </p:nvSpPr>
+        <p:spPr/>
+        <p:txBody>
+          <a:bodyPr/>
+          <a:lstStyle/>
+          <a:p>
+            <a:r>
+              <a:rPr lang="th-TH" dirty="0"/>
+              <a:t>แก้ไขฟังก์ชัน</a:t>
+            </a:r>
+            <a:r>
+              <a:rPr lang="en-AU" dirty="0"/>
+              <a:t> Checkout</a:t>
+            </a:r>
+            <a:endParaRPr lang="th-TH" dirty="0"/>
+          </a:p>
+          <a:p>
+            <a:r>
+              <a:rPr lang="th-TH" dirty="0"/>
+              <a:t>แก้ไขส่วนของ</a:t>
+            </a:r>
+            <a:endParaRPr lang="en-AU" dirty="0"/>
+          </a:p>
+        </p:txBody>
+      </p:sp>
+      <p:sp>
+        <p:nvSpPr>
+          <p:cNvPr id="4" name="Slide Number Placeholder 3">
+            <a:extLst>
+              <a:ext uri="{FF2B5EF4-FFF2-40B4-BE49-F238E27FC236}">
+                <a16:creationId xmlns:a16="http://schemas.microsoft.com/office/drawing/2014/main" id="{E8A33163-D8AF-4DD8-817E-9BA961157955}"/>
+              </a:ext>
+            </a:extLst>
+          </p:cNvPr>
+          <p:cNvSpPr>
+            <a:spLocks noGrp="1"/>
+          </p:cNvSpPr>
+          <p:nvPr>
+            <p:ph type="sldNum" sz="quarter" idx="12"/>
+          </p:nvPr>
+        </p:nvSpPr>
+        <p:spPr/>
+        <p:txBody>
+          <a:bodyPr/>
+          <a:lstStyle/>
+          <a:p>
+            <a:fld id="{A451FF00-1CED-49B4-AB20-56DD39CB66AF}" type="slidenum">
+              <a:rPr lang="en-AU" smtClean="0"/>
+              <a:pPr/>
+              <a:t>15</a:t>
+            </a:fld>
+            <a:endParaRPr lang="en-AU"/>
+          </a:p>
+        </p:txBody>
+      </p:sp>
+      <p:pic>
+        <p:nvPicPr>
+          <p:cNvPr id="6" name="Picture 5">
+            <a:extLst>
+              <a:ext uri="{FF2B5EF4-FFF2-40B4-BE49-F238E27FC236}">
+                <a16:creationId xmlns:a16="http://schemas.microsoft.com/office/drawing/2014/main" id="{677812F7-B021-4A98-8C4D-CD959D8A6D73}"/>
+              </a:ext>
+            </a:extLst>
+          </p:cNvPr>
+          <p:cNvPicPr>
+            <a:picLocks noChangeAspect="1"/>
+          </p:cNvPicPr>
+          <p:nvPr/>
+        </p:nvPicPr>
+        <p:blipFill>
+          <a:blip r:embed="rId2"/>
+          <a:stretch>
+            <a:fillRect/>
+          </a:stretch>
+        </p:blipFill>
+        <p:spPr>
+          <a:xfrm>
+            <a:off x="3836650" y="2843689"/>
+            <a:ext cx="4791075" cy="1343025"/>
+          </a:xfrm>
+          <a:prstGeom prst="rect">
+            <a:avLst/>
+          </a:prstGeom>
+        </p:spPr>
+      </p:pic>
+    </p:spTree>
+    <p:extLst>
+      <p:ext uri="{BB962C8B-B14F-4D97-AF65-F5344CB8AC3E}">
+        <p14:creationId xmlns:p14="http://schemas.microsoft.com/office/powerpoint/2010/main" val="4125545366"/>
+      </p:ext>
+    </p:extLst>
+  </p:cSld>
+  <p:clrMapOvr>
+    <a:masterClrMapping/>
+  </p:clrMapOvr>
+</p:sld>
+</file>
+
+<file path=ppt/slides/slide16.xml><?xml version="1.0" encoding="utf-8"?>
+<p:sld xmlns:a="http://schemas.openxmlformats.org/drawingml/2006/main" xmlns:r="http://schemas.openxmlformats.org/officeDocument/2006/relationships" xmlns:p="http://schemas.openxmlformats.org/presentationml/2006/main">
+  <p:cSld>
+    <p:spTree>
+      <p:nvGrpSpPr>
+        <p:cNvPr id="1" name=""/>
+        <p:cNvGrpSpPr/>
+        <p:nvPr/>
+      </p:nvGrpSpPr>
+      <p:grpSpPr>
+        <a:xfrm>
+          <a:off x="0" y="0"/>
+          <a:ext cx="0" cy="0"/>
+          <a:chOff x="0" y="0"/>
+          <a:chExt cx="0" cy="0"/>
+        </a:xfrm>
+      </p:grpSpPr>
+      <p:sp>
+        <p:nvSpPr>
+          <p:cNvPr id="4" name="Slide Number Placeholder 3">
+            <a:extLst>
+              <a:ext uri="{FF2B5EF4-FFF2-40B4-BE49-F238E27FC236}">
+                <a16:creationId xmlns:a16="http://schemas.microsoft.com/office/drawing/2014/main" id="{36D1B39C-0FCB-428C-93F9-0DEB5BD13DD0}"/>
+              </a:ext>
+            </a:extLst>
+          </p:cNvPr>
+          <p:cNvSpPr>
+            <a:spLocks noGrp="1"/>
+          </p:cNvSpPr>
+          <p:nvPr>
+            <p:ph type="sldNum" sz="quarter" idx="12"/>
+          </p:nvPr>
+        </p:nvSpPr>
+        <p:spPr/>
+        <p:txBody>
+          <a:bodyPr/>
+          <a:lstStyle/>
+          <a:p>
+            <a:fld id="{A451FF00-1CED-49B4-AB20-56DD39CB66AF}" type="slidenum">
+              <a:rPr lang="en-AU" smtClean="0"/>
+              <a:pPr/>
+              <a:t>16</a:t>
+            </a:fld>
+            <a:endParaRPr lang="en-AU"/>
+          </a:p>
+        </p:txBody>
+      </p:sp>
+      <p:pic>
+        <p:nvPicPr>
+          <p:cNvPr id="10" name="Picture 9">
+            <a:extLst>
+              <a:ext uri="{FF2B5EF4-FFF2-40B4-BE49-F238E27FC236}">
+                <a16:creationId xmlns:a16="http://schemas.microsoft.com/office/drawing/2014/main" id="{0CB9ECF4-CC69-4ED5-9E9F-73C717889243}"/>
+              </a:ext>
+            </a:extLst>
+          </p:cNvPr>
+          <p:cNvPicPr>
+            <a:picLocks noChangeAspect="1"/>
+          </p:cNvPicPr>
+          <p:nvPr/>
+        </p:nvPicPr>
+        <p:blipFill>
+          <a:blip r:embed="rId2"/>
+          <a:stretch>
+            <a:fillRect/>
+          </a:stretch>
+        </p:blipFill>
+        <p:spPr>
+          <a:xfrm>
+            <a:off x="3511643" y="0"/>
+            <a:ext cx="5168713" cy="6858000"/>
+          </a:xfrm>
+          <a:prstGeom prst="rect">
+            <a:avLst/>
+          </a:prstGeom>
+        </p:spPr>
+      </p:pic>
+    </p:spTree>
+    <p:extLst>
+      <p:ext uri="{BB962C8B-B14F-4D97-AF65-F5344CB8AC3E}">
+        <p14:creationId xmlns:p14="http://schemas.microsoft.com/office/powerpoint/2010/main" val="922756095"/>
+      </p:ext>
+    </p:extLst>
+  </p:cSld>
+  <p:clrMapOvr>
+    <a:masterClrMapping/>
+  </p:clrMapOvr>
+</p:sld>
+</file>
+
+<file path=ppt/slides/slide17.xml><?xml version="1.0" encoding="utf-8"?>
+<p:sld xmlns:a="http://schemas.openxmlformats.org/drawingml/2006/main" xmlns:r="http://schemas.openxmlformats.org/officeDocument/2006/relationships" xmlns:p="http://schemas.openxmlformats.org/presentationml/2006/main">
+  <p:cSld>
+    <p:spTree>
+      <p:nvGrpSpPr>
+        <p:cNvPr id="1" name=""/>
+        <p:cNvGrpSpPr/>
+        <p:nvPr/>
+      </p:nvGrpSpPr>
+      <p:grpSpPr>
+        <a:xfrm>
+          <a:off x="0" y="0"/>
+          <a:ext cx="0" cy="0"/>
+          <a:chOff x="0" y="0"/>
+          <a:chExt cx="0" cy="0"/>
+        </a:xfrm>
+      </p:grpSpPr>
+      <p:sp>
+        <p:nvSpPr>
+          <p:cNvPr id="2" name="Title 1">
+            <a:extLst>
+              <a:ext uri="{FF2B5EF4-FFF2-40B4-BE49-F238E27FC236}">
+                <a16:creationId xmlns:a16="http://schemas.microsoft.com/office/drawing/2014/main" id="{233573F2-6930-4A9C-A6F5-BB936C98C61A}"/>
+              </a:ext>
+            </a:extLst>
+          </p:cNvPr>
+          <p:cNvSpPr>
+            <a:spLocks noGrp="1"/>
+          </p:cNvSpPr>
+          <p:nvPr>
+            <p:ph type="title"/>
+          </p:nvPr>
+        </p:nvSpPr>
+        <p:spPr/>
+        <p:txBody>
+          <a:bodyPr/>
+          <a:lstStyle/>
+          <a:p>
+            <a:r>
+              <a:rPr lang="th-TH" dirty="0"/>
+              <a:t>แก้ไขไฟล์</a:t>
+            </a:r>
+            <a:r>
+              <a:rPr lang="en-AU" dirty="0"/>
+              <a:t> admin.py</a:t>
+            </a:r>
+          </a:p>
+        </p:txBody>
+      </p:sp>
+      <p:sp>
+        <p:nvSpPr>
+          <p:cNvPr id="3" name="Content Placeholder 2">
+            <a:extLst>
+              <a:ext uri="{FF2B5EF4-FFF2-40B4-BE49-F238E27FC236}">
+                <a16:creationId xmlns:a16="http://schemas.microsoft.com/office/drawing/2014/main" id="{2D946120-2298-4D55-B370-6BCA3C66608C}"/>
+              </a:ext>
+            </a:extLst>
+          </p:cNvPr>
+          <p:cNvSpPr>
+            <a:spLocks noGrp="1"/>
+          </p:cNvSpPr>
+          <p:nvPr>
+            <p:ph idx="1"/>
+          </p:nvPr>
+        </p:nvSpPr>
+        <p:spPr/>
+        <p:txBody>
+          <a:bodyPr/>
+          <a:lstStyle/>
+          <a:p>
+            <a:r>
+              <a:rPr lang="th-TH" dirty="0"/>
+              <a:t>เพื่อทำการ</a:t>
+            </a:r>
+            <a:r>
+              <a:rPr lang="en-AU" dirty="0"/>
+              <a:t> register </a:t>
+            </a:r>
+            <a:r>
+              <a:rPr lang="th-TH" dirty="0"/>
+              <a:t>โมเดลของ</a:t>
+            </a:r>
+            <a:r>
+              <a:rPr lang="en-AU" dirty="0"/>
+              <a:t> </a:t>
+            </a:r>
+            <a:r>
+              <a:rPr lang="en-AU" dirty="0" err="1"/>
+              <a:t>OrderList</a:t>
+            </a:r>
+            <a:r>
+              <a:rPr lang="th-TH" dirty="0"/>
+              <a:t> และ</a:t>
+            </a:r>
+            <a:r>
+              <a:rPr lang="en-AU" dirty="0"/>
+              <a:t> </a:t>
+            </a:r>
+            <a:r>
+              <a:rPr lang="en-AU" dirty="0" err="1"/>
+              <a:t>OrderPending</a:t>
+            </a:r>
+            <a:endParaRPr lang="en-AU"/>
+          </a:p>
+          <a:p>
+            <a:r>
+              <a:rPr lang="th-TH"/>
+              <a:t>ไม่เช่นนั้น</a:t>
+            </a:r>
+            <a:r>
+              <a:rPr lang="th-TH" dirty="0"/>
+              <a:t>จะไม่แสดงข้อมูลในส่วนของหน้า</a:t>
+            </a:r>
+            <a:r>
+              <a:rPr lang="en-AU" dirty="0"/>
+              <a:t> admin</a:t>
+            </a:r>
+          </a:p>
+        </p:txBody>
+      </p:sp>
+      <p:sp>
+        <p:nvSpPr>
+          <p:cNvPr id="4" name="Slide Number Placeholder 3">
+            <a:extLst>
+              <a:ext uri="{FF2B5EF4-FFF2-40B4-BE49-F238E27FC236}">
+                <a16:creationId xmlns:a16="http://schemas.microsoft.com/office/drawing/2014/main" id="{669E5B11-5B83-4CA8-B522-65B7FE981D62}"/>
+              </a:ext>
+            </a:extLst>
+          </p:cNvPr>
+          <p:cNvSpPr>
+            <a:spLocks noGrp="1"/>
+          </p:cNvSpPr>
+          <p:nvPr>
+            <p:ph type="sldNum" sz="quarter" idx="12"/>
+          </p:nvPr>
+        </p:nvSpPr>
+        <p:spPr/>
+        <p:txBody>
+          <a:bodyPr/>
+          <a:lstStyle/>
+          <a:p>
+            <a:fld id="{A451FF00-1CED-49B4-AB20-56DD39CB66AF}" type="slidenum">
+              <a:rPr lang="en-AU" smtClean="0"/>
+              <a:pPr/>
+              <a:t>17</a:t>
+            </a:fld>
+            <a:endParaRPr lang="en-AU"/>
+          </a:p>
+        </p:txBody>
+      </p:sp>
+      <p:pic>
+        <p:nvPicPr>
+          <p:cNvPr id="6" name="Picture 5">
+            <a:extLst>
+              <a:ext uri="{FF2B5EF4-FFF2-40B4-BE49-F238E27FC236}">
+                <a16:creationId xmlns:a16="http://schemas.microsoft.com/office/drawing/2014/main" id="{2E0BA909-C204-42DC-ACA6-36D5218E11C6}"/>
+              </a:ext>
+            </a:extLst>
+          </p:cNvPr>
+          <p:cNvPicPr>
+            <a:picLocks noChangeAspect="1"/>
+          </p:cNvPicPr>
+          <p:nvPr/>
+        </p:nvPicPr>
+        <p:blipFill>
+          <a:blip r:embed="rId2"/>
+          <a:stretch>
+            <a:fillRect/>
+          </a:stretch>
+        </p:blipFill>
+        <p:spPr>
+          <a:xfrm>
+            <a:off x="3623351" y="3429000"/>
+            <a:ext cx="3486150" cy="1676400"/>
+          </a:xfrm>
+          <a:prstGeom prst="rect">
+            <a:avLst/>
+          </a:prstGeom>
+        </p:spPr>
+      </p:pic>
+    </p:spTree>
+    <p:extLst>
+      <p:ext uri="{BB962C8B-B14F-4D97-AF65-F5344CB8AC3E}">
+        <p14:creationId xmlns:p14="http://schemas.microsoft.com/office/powerpoint/2010/main" val="4250043009"/>
       </p:ext>
     </p:extLst>
   </p:cSld>
@@ -4473,13 +5661,13 @@
           <a:p>
             <a:r>
               <a:rPr lang="en-AU" dirty="0"/>
-              <a:t>Upload Slip</a:t>
+              <a:t>Upload Form</a:t>
             </a:r>
           </a:p>
           <a:p>
             <a:r>
               <a:rPr lang="en-AU" dirty="0"/>
-              <a:t>All Order</a:t>
+              <a:t>All Order (Admin)</a:t>
             </a:r>
           </a:p>
         </p:txBody>
@@ -6899,7 +8087,7 @@
           <a:p>
             <a:r>
               <a:rPr lang="en-AU" dirty="0"/>
-              <a:t>Order list</a:t>
+              <a:t>Alignment</a:t>
             </a:r>
           </a:p>
         </p:txBody>
@@ -7014,7 +8202,7 @@
           <a:p>
             <a:r>
               <a:rPr lang="en-AU" dirty="0"/>
-              <a:t>Order list</a:t>
+              <a:t>Alignment</a:t>
             </a:r>
           </a:p>
         </p:txBody>
